--- a/Simultaneous Localization And Mapping.pptx
+++ b/Simultaneous Localization And Mapping.pptx
@@ -110,6 +110,11 @@
       </a:defRPr>
     </a:lvl9pPr>
   </p:defaultTextStyle>
+  <p:extLst>
+    <p:ext uri="{EFAFB233-063F-42B5-8137-9DF3F51BA10A}">
+      <p15:sldGuideLst xmlns:p15="http://schemas.microsoft.com/office/powerpoint/2012/main"/>
+    </p:ext>
+  </p:extLst>
 </p:presentation>
 </file>
 
@@ -158,7 +163,6 @@
               <a:rPr lang="sv-SE"/>
               <a:t>Klicka här för att ändra format</a:t>
             </a:r>
-            <a:endParaRPr lang="sv-SE"/>
           </a:p>
         </p:txBody>
       </p:sp>
@@ -223,7 +227,6 @@
               <a:rPr lang="sv-SE"/>
               <a:t>Klicka om du vill redigera mall för underrubrikformat</a:t>
             </a:r>
-            <a:endParaRPr lang="sv-SE"/>
           </a:p>
         </p:txBody>
       </p:sp>
@@ -244,7 +247,7 @@
           <a:p>
             <a:fld id="{D2A3BD25-090C-4AAB-85EA-021A757159AD}" type="datetimeFigureOut">
               <a:rPr lang="sv-SE" smtClean="0"/>
-              <a:t>2016-11-29</a:t>
+              <a:t>2016-11-30</a:t>
             </a:fld>
             <a:endParaRPr lang="sv-SE"/>
           </a:p>
@@ -341,7 +344,6 @@
               <a:rPr lang="sv-SE"/>
               <a:t>Klicka här för att ändra format</a:t>
             </a:r>
-            <a:endParaRPr lang="sv-SE"/>
           </a:p>
         </p:txBody>
       </p:sp>
@@ -393,7 +395,6 @@
               <a:rPr lang="sv-SE"/>
               <a:t>Nivå fem</a:t>
             </a:r>
-            <a:endParaRPr lang="sv-SE"/>
           </a:p>
         </p:txBody>
       </p:sp>
@@ -414,7 +415,7 @@
           <a:p>
             <a:fld id="{D2A3BD25-090C-4AAB-85EA-021A757159AD}" type="datetimeFigureOut">
               <a:rPr lang="sv-SE" smtClean="0"/>
-              <a:t>2016-11-29</a:t>
+              <a:t>2016-11-30</a:t>
             </a:fld>
             <a:endParaRPr lang="sv-SE"/>
           </a:p>
@@ -516,7 +517,6 @@
               <a:rPr lang="sv-SE"/>
               <a:t>Klicka här för att ändra format</a:t>
             </a:r>
-            <a:endParaRPr lang="sv-SE"/>
           </a:p>
         </p:txBody>
       </p:sp>
@@ -573,7 +573,6 @@
               <a:rPr lang="sv-SE"/>
               <a:t>Nivå fem</a:t>
             </a:r>
-            <a:endParaRPr lang="sv-SE"/>
           </a:p>
         </p:txBody>
       </p:sp>
@@ -594,7 +593,7 @@
           <a:p>
             <a:fld id="{D2A3BD25-090C-4AAB-85EA-021A757159AD}" type="datetimeFigureOut">
               <a:rPr lang="sv-SE" smtClean="0"/>
-              <a:t>2016-11-29</a:t>
+              <a:t>2016-11-30</a:t>
             </a:fld>
             <a:endParaRPr lang="sv-SE"/>
           </a:p>
@@ -691,7 +690,6 @@
               <a:rPr lang="sv-SE"/>
               <a:t>Klicka här för att ändra format</a:t>
             </a:r>
-            <a:endParaRPr lang="sv-SE"/>
           </a:p>
         </p:txBody>
       </p:sp>
@@ -743,7 +741,6 @@
               <a:rPr lang="sv-SE"/>
               <a:t>Nivå fem</a:t>
             </a:r>
-            <a:endParaRPr lang="sv-SE"/>
           </a:p>
         </p:txBody>
       </p:sp>
@@ -764,7 +761,7 @@
           <a:p>
             <a:fld id="{D2A3BD25-090C-4AAB-85EA-021A757159AD}" type="datetimeFigureOut">
               <a:rPr lang="sv-SE" smtClean="0"/>
-              <a:t>2016-11-29</a:t>
+              <a:t>2016-11-30</a:t>
             </a:fld>
             <a:endParaRPr lang="sv-SE"/>
           </a:p>
@@ -870,7 +867,6 @@
               <a:rPr lang="sv-SE"/>
               <a:t>Klicka här för att ändra format</a:t>
             </a:r>
-            <a:endParaRPr lang="sv-SE"/>
           </a:p>
         </p:txBody>
       </p:sp>
@@ -1010,7 +1006,7 @@
           <a:p>
             <a:fld id="{D2A3BD25-090C-4AAB-85EA-021A757159AD}" type="datetimeFigureOut">
               <a:rPr lang="sv-SE" smtClean="0"/>
-              <a:t>2016-11-29</a:t>
+              <a:t>2016-11-30</a:t>
             </a:fld>
             <a:endParaRPr lang="sv-SE"/>
           </a:p>
@@ -1107,7 +1103,6 @@
               <a:rPr lang="sv-SE"/>
               <a:t>Klicka här för att ändra format</a:t>
             </a:r>
-            <a:endParaRPr lang="sv-SE"/>
           </a:p>
         </p:txBody>
       </p:sp>
@@ -1164,7 +1159,6 @@
               <a:rPr lang="sv-SE"/>
               <a:t>Nivå fem</a:t>
             </a:r>
-            <a:endParaRPr lang="sv-SE"/>
           </a:p>
         </p:txBody>
       </p:sp>
@@ -1221,7 +1215,6 @@
               <a:rPr lang="sv-SE"/>
               <a:t>Nivå fem</a:t>
             </a:r>
-            <a:endParaRPr lang="sv-SE"/>
           </a:p>
         </p:txBody>
       </p:sp>
@@ -1242,7 +1235,7 @@
           <a:p>
             <a:fld id="{D2A3BD25-090C-4AAB-85EA-021A757159AD}" type="datetimeFigureOut">
               <a:rPr lang="sv-SE" smtClean="0"/>
-              <a:t>2016-11-29</a:t>
+              <a:t>2016-11-30</a:t>
             </a:fld>
             <a:endParaRPr lang="sv-SE"/>
           </a:p>
@@ -1344,7 +1337,6 @@
               <a:rPr lang="sv-SE"/>
               <a:t>Klicka här för att ändra format</a:t>
             </a:r>
-            <a:endParaRPr lang="sv-SE"/>
           </a:p>
         </p:txBody>
       </p:sp>
@@ -1466,7 +1458,6 @@
               <a:rPr lang="sv-SE"/>
               <a:t>Nivå fem</a:t>
             </a:r>
-            <a:endParaRPr lang="sv-SE"/>
           </a:p>
         </p:txBody>
       </p:sp>
@@ -1588,7 +1579,6 @@
               <a:rPr lang="sv-SE"/>
               <a:t>Nivå fem</a:t>
             </a:r>
-            <a:endParaRPr lang="sv-SE"/>
           </a:p>
         </p:txBody>
       </p:sp>
@@ -1609,7 +1599,7 @@
           <a:p>
             <a:fld id="{D2A3BD25-090C-4AAB-85EA-021A757159AD}" type="datetimeFigureOut">
               <a:rPr lang="sv-SE" smtClean="0"/>
-              <a:t>2016-11-29</a:t>
+              <a:t>2016-11-30</a:t>
             </a:fld>
             <a:endParaRPr lang="sv-SE"/>
           </a:p>
@@ -1706,7 +1696,6 @@
               <a:rPr lang="sv-SE"/>
               <a:t>Klicka här för att ändra format</a:t>
             </a:r>
-            <a:endParaRPr lang="sv-SE"/>
           </a:p>
         </p:txBody>
       </p:sp>
@@ -1727,7 +1716,7 @@
           <a:p>
             <a:fld id="{D2A3BD25-090C-4AAB-85EA-021A757159AD}" type="datetimeFigureOut">
               <a:rPr lang="sv-SE" smtClean="0"/>
-              <a:t>2016-11-29</a:t>
+              <a:t>2016-11-30</a:t>
             </a:fld>
             <a:endParaRPr lang="sv-SE"/>
           </a:p>
@@ -1822,7 +1811,7 @@
           <a:p>
             <a:fld id="{D2A3BD25-090C-4AAB-85EA-021A757159AD}" type="datetimeFigureOut">
               <a:rPr lang="sv-SE" smtClean="0"/>
-              <a:t>2016-11-29</a:t>
+              <a:t>2016-11-30</a:t>
             </a:fld>
             <a:endParaRPr lang="sv-SE"/>
           </a:p>
@@ -1928,7 +1917,6 @@
               <a:rPr lang="sv-SE"/>
               <a:t>Klicka här för att ändra format</a:t>
             </a:r>
-            <a:endParaRPr lang="sv-SE"/>
           </a:p>
         </p:txBody>
       </p:sp>
@@ -2013,7 +2001,6 @@
               <a:rPr lang="sv-SE"/>
               <a:t>Nivå fem</a:t>
             </a:r>
-            <a:endParaRPr lang="sv-SE"/>
           </a:p>
         </p:txBody>
       </p:sp>
@@ -2099,7 +2086,7 @@
           <a:p>
             <a:fld id="{D2A3BD25-090C-4AAB-85EA-021A757159AD}" type="datetimeFigureOut">
               <a:rPr lang="sv-SE" smtClean="0"/>
-              <a:t>2016-11-29</a:t>
+              <a:t>2016-11-30</a:t>
             </a:fld>
             <a:endParaRPr lang="sv-SE"/>
           </a:p>
@@ -2205,7 +2192,6 @@
               <a:rPr lang="sv-SE"/>
               <a:t>Klicka här för att ändra format</a:t>
             </a:r>
-            <a:endParaRPr lang="sv-SE"/>
           </a:p>
         </p:txBody>
       </p:sp>
@@ -2352,7 +2338,7 @@
           <a:p>
             <a:fld id="{D2A3BD25-090C-4AAB-85EA-021A757159AD}" type="datetimeFigureOut">
               <a:rPr lang="sv-SE" smtClean="0"/>
-              <a:t>2016-11-29</a:t>
+              <a:t>2016-11-30</a:t>
             </a:fld>
             <a:endParaRPr lang="sv-SE"/>
           </a:p>
@@ -2464,7 +2450,6 @@
               <a:rPr lang="sv-SE"/>
               <a:t>Klicka här för att ändra format</a:t>
             </a:r>
-            <a:endParaRPr lang="sv-SE"/>
           </a:p>
         </p:txBody>
       </p:sp>
@@ -2526,7 +2511,6 @@
               <a:rPr lang="sv-SE"/>
               <a:t>Nivå fem</a:t>
             </a:r>
-            <a:endParaRPr lang="sv-SE"/>
           </a:p>
         </p:txBody>
       </p:sp>
@@ -2565,7 +2549,7 @@
           <a:p>
             <a:fld id="{D2A3BD25-090C-4AAB-85EA-021A757159AD}" type="datetimeFigureOut">
               <a:rPr lang="sv-SE" smtClean="0"/>
-              <a:t>2016-11-29</a:t>
+              <a:t>2016-11-30</a:t>
             </a:fld>
             <a:endParaRPr lang="sv-SE"/>
           </a:p>
@@ -3091,13 +3075,14 @@
           <a:p>
             <a:r>
               <a:rPr lang="sv-SE" dirty="0"/>
-              <a:t>Project </a:t>
-            </a:r>
-            <a:r>
-              <a:rPr lang="sv-SE" dirty="0" err="1"/>
-              <a:t>description</a:t>
-            </a:r>
-            <a:endParaRPr lang="sv-SE" dirty="0"/>
+              <a:t>Project description </a:t>
+            </a:r>
+          </a:p>
+          <a:p>
+            <a:r>
+              <a:rPr lang="sv-SE" dirty="0"/>
+              <a:t>AVL</a:t>
+            </a:r>
           </a:p>
           <a:p>
             <a:r>
@@ -3125,28 +3110,10 @@
           <a:p>
             <a:r>
               <a:rPr lang="sv-SE" dirty="0"/>
-              <a:t>Focus </a:t>
-            </a:r>
-            <a:r>
-              <a:rPr lang="sv-SE" dirty="0" err="1"/>
-              <a:t>of</a:t>
-            </a:r>
-            <a:r>
-              <a:rPr lang="sv-SE" dirty="0"/>
-              <a:t> </a:t>
-            </a:r>
-            <a:r>
-              <a:rPr lang="sv-SE" dirty="0" err="1"/>
-              <a:t>literatture</a:t>
-            </a:r>
-            <a:r>
-              <a:rPr lang="sv-SE" dirty="0"/>
-              <a:t> </a:t>
-            </a:r>
-            <a:r>
-              <a:rPr lang="sv-SE" dirty="0" err="1"/>
-              <a:t>search</a:t>
-            </a:r>
+              <a:t>Focus of literature search</a:t>
+            </a:r>
+          </a:p>
+          <a:p>
             <a:endParaRPr lang="sv-SE" dirty="0"/>
           </a:p>
           <a:p>
@@ -3227,90 +3194,9 @@
           <a:lstStyle/>
           <a:p>
             <a:r>
-              <a:rPr lang="sv-SE" dirty="0" err="1"/>
-              <a:t>What</a:t>
-            </a:r>
-            <a:r>
               <a:rPr lang="sv-SE" dirty="0"/>
-              <a:t> </a:t>
-            </a:r>
-            <a:r>
-              <a:rPr lang="sv-SE" dirty="0" err="1"/>
-              <a:t>are</a:t>
-            </a:r>
-            <a:r>
-              <a:rPr lang="sv-SE" dirty="0"/>
-              <a:t> the </a:t>
-            </a:r>
-            <a:r>
-              <a:rPr lang="sv-SE" dirty="0" err="1"/>
-              <a:t>pros</a:t>
-            </a:r>
-            <a:r>
-              <a:rPr lang="sv-SE" dirty="0"/>
-              <a:t> and </a:t>
-            </a:r>
-            <a:r>
-              <a:rPr lang="sv-SE" dirty="0" err="1"/>
-              <a:t>cons</a:t>
-            </a:r>
-            <a:r>
-              <a:rPr lang="sv-SE" dirty="0"/>
-              <a:t> </a:t>
-            </a:r>
-            <a:r>
-              <a:rPr lang="sv-SE" dirty="0" err="1"/>
-              <a:t>of</a:t>
-            </a:r>
-            <a:r>
-              <a:rPr lang="sv-SE" dirty="0"/>
-              <a:t> different SLAM </a:t>
-            </a:r>
-            <a:r>
-              <a:rPr lang="sv-SE" dirty="0" err="1"/>
-              <a:t>algorithms</a:t>
-            </a:r>
-            <a:r>
-              <a:rPr lang="sv-SE" dirty="0"/>
-              <a:t> </a:t>
-            </a:r>
-            <a:r>
-              <a:rPr lang="sv-SE" dirty="0" err="1"/>
-              <a:t>which</a:t>
-            </a:r>
-            <a:r>
-              <a:rPr lang="sv-SE" dirty="0"/>
-              <a:t> </a:t>
-            </a:r>
-            <a:r>
-              <a:rPr lang="sv-SE" dirty="0" err="1"/>
-              <a:t>are</a:t>
-            </a:r>
-            <a:r>
-              <a:rPr lang="sv-SE" dirty="0"/>
-              <a:t> </a:t>
-            </a:r>
-            <a:r>
-              <a:rPr lang="sv-SE" dirty="0" err="1"/>
-              <a:t>suitable</a:t>
-            </a:r>
-            <a:r>
-              <a:rPr lang="sv-SE" dirty="0"/>
-              <a:t> for </a:t>
-            </a:r>
-            <a:r>
-              <a:rPr lang="sv-SE" dirty="0" err="1"/>
-              <a:t>autonomous</a:t>
-            </a:r>
-            <a:r>
-              <a:rPr lang="sv-SE" dirty="0"/>
-              <a:t> </a:t>
-            </a:r>
-            <a:r>
-              <a:rPr lang="sv-SE" dirty="0" err="1"/>
-              <a:t>vehicles</a:t>
-            </a:r>
-            <a:endParaRPr lang="sv-SE" dirty="0"/>
+              <a:t>What are the pros and cons of different SLAM algorithms which are suitable for autonomous vehicles?</a:t>
+            </a:r>
           </a:p>
         </p:txBody>
       </p:sp>
@@ -3413,36 +3299,8 @@
           </a:p>
           <a:p>
             <a:r>
-              <a:rPr lang="sv-SE" dirty="0" err="1"/>
-              <a:t>Which</a:t>
-            </a:r>
-            <a:r>
               <a:rPr lang="sv-SE" dirty="0"/>
-              <a:t> SLAM </a:t>
-            </a:r>
-            <a:r>
-              <a:rPr lang="sv-SE" dirty="0" err="1"/>
-              <a:t>are</a:t>
-            </a:r>
-            <a:r>
-              <a:rPr lang="sv-SE" dirty="0"/>
-              <a:t> </a:t>
-            </a:r>
-            <a:r>
-              <a:rPr lang="sv-SE" dirty="0" err="1"/>
-              <a:t>avalable</a:t>
-            </a:r>
-            <a:r>
-              <a:rPr lang="sv-SE" dirty="0"/>
-              <a:t>/relevant for the </a:t>
-            </a:r>
-            <a:r>
-              <a:rPr lang="sv-SE" dirty="0" err="1"/>
-              <a:t>project</a:t>
-            </a:r>
-            <a:r>
-              <a:rPr lang="sv-SE" dirty="0"/>
-              <a:t>?</a:t>
+              <a:t>Which SLAM are available/relevant for the project?</a:t>
             </a:r>
           </a:p>
           <a:p>
@@ -3662,6 +3520,12 @@
             <a:r>
               <a:rPr lang="sv-SE" dirty="0"/>
               <a:t>Trolley problem</a:t>
+            </a:r>
+          </a:p>
+          <a:p>
+            <a:r>
+              <a:rPr lang="sv-SE" dirty="0"/>
+              <a:t>Not ecologic though social and economic</a:t>
             </a:r>
           </a:p>
         </p:txBody>
